--- a/Support_Psytoolkit.pptx
+++ b/Support_Psytoolkit.pptx
@@ -120,6 +120,11 @@
       </a:defRPr>
     </a:lvl9pPr>
   </p:defaultTextStyle>
+  <p:extLst>
+    <p:ext uri="{EFAFB233-063F-42B5-8137-9DF3F51BA10A}">
+      <p15:sldGuideLst xmlns:p15="http://schemas.microsoft.com/office/powerpoint/2012/main"/>
+    </p:ext>
+  </p:extLst>
 </p:presentation>
 </file>
 
@@ -205,7 +210,7 @@
           <a:p>
             <a:fld id="{8AC96327-D694-4722-824F-7432DD16442D}" type="datetimeFigureOut">
               <a:rPr lang="fr-FR" smtClean="0"/>
-              <a:t>21/05/2025</a:t>
+              <a:t>05/06/2025</a:t>
             </a:fld>
             <a:endParaRPr lang="fr-FR"/>
           </a:p>
@@ -619,7 +624,7 @@
           <a:p>
             <a:fld id="{4FBA07FF-70CC-41B8-8B6A-23003F3FEE64}" type="datetime1">
               <a:rPr lang="fr-FR" smtClean="0"/>
-              <a:t>21/05/2025</a:t>
+              <a:t>05/06/2025</a:t>
             </a:fld>
             <a:endParaRPr lang="fr-FR"/>
           </a:p>
@@ -817,7 +822,7 @@
           <a:p>
             <a:fld id="{3B44F5C3-4395-4438-AE67-67524CC35B9F}" type="datetime1">
               <a:rPr lang="fr-FR" smtClean="0"/>
-              <a:t>21/05/2025</a:t>
+              <a:t>05/06/2025</a:t>
             </a:fld>
             <a:endParaRPr lang="fr-FR"/>
           </a:p>
@@ -1025,7 +1030,7 @@
           <a:p>
             <a:fld id="{DE890BA3-AAF0-4F43-AC25-5ABD8138C551}" type="datetime1">
               <a:rPr lang="fr-FR" smtClean="0"/>
-              <a:t>21/05/2025</a:t>
+              <a:t>05/06/2025</a:t>
             </a:fld>
             <a:endParaRPr lang="fr-FR"/>
           </a:p>
@@ -1223,7 +1228,7 @@
           <a:p>
             <a:fld id="{141DE4FD-F05B-4D05-8E07-FFA01DB74C8B}" type="datetime1">
               <a:rPr lang="fr-FR" smtClean="0"/>
-              <a:t>21/05/2025</a:t>
+              <a:t>05/06/2025</a:t>
             </a:fld>
             <a:endParaRPr lang="fr-FR"/>
           </a:p>
@@ -1498,7 +1503,7 @@
           <a:p>
             <a:fld id="{BB854AD3-F383-4BC6-9D60-BE7E0D763692}" type="datetime1">
               <a:rPr lang="fr-FR" smtClean="0"/>
-              <a:t>21/05/2025</a:t>
+              <a:t>05/06/2025</a:t>
             </a:fld>
             <a:endParaRPr lang="fr-FR"/>
           </a:p>
@@ -1763,7 +1768,7 @@
           <a:p>
             <a:fld id="{F2331AFF-0E2A-450A-86D4-17DA999F9748}" type="datetime1">
               <a:rPr lang="fr-FR" smtClean="0"/>
-              <a:t>21/05/2025</a:t>
+              <a:t>05/06/2025</a:t>
             </a:fld>
             <a:endParaRPr lang="fr-FR"/>
           </a:p>
@@ -2175,7 +2180,7 @@
           <a:p>
             <a:fld id="{8DBD12ED-98F8-4765-8EE7-014F1E5F35FE}" type="datetime1">
               <a:rPr lang="fr-FR" smtClean="0"/>
-              <a:t>21/05/2025</a:t>
+              <a:t>05/06/2025</a:t>
             </a:fld>
             <a:endParaRPr lang="fr-FR"/>
           </a:p>
@@ -2316,7 +2321,7 @@
           <a:p>
             <a:fld id="{C2F438A8-7ECF-48A0-8A43-A48BD1AAEE02}" type="datetime1">
               <a:rPr lang="fr-FR" smtClean="0"/>
-              <a:t>21/05/2025</a:t>
+              <a:t>05/06/2025</a:t>
             </a:fld>
             <a:endParaRPr lang="fr-FR"/>
           </a:p>
@@ -2429,7 +2434,7 @@
           <a:p>
             <a:fld id="{9B7019D5-9652-4C05-A292-69DAF8DDB2A4}" type="datetime1">
               <a:rPr lang="fr-FR" smtClean="0"/>
-              <a:t>21/05/2025</a:t>
+              <a:t>05/06/2025</a:t>
             </a:fld>
             <a:endParaRPr lang="fr-FR"/>
           </a:p>
@@ -2740,7 +2745,7 @@
           <a:p>
             <a:fld id="{2CAEF280-75B7-40E4-9996-81BA097847BD}" type="datetime1">
               <a:rPr lang="fr-FR" smtClean="0"/>
-              <a:t>21/05/2025</a:t>
+              <a:t>05/06/2025</a:t>
             </a:fld>
             <a:endParaRPr lang="fr-FR"/>
           </a:p>
@@ -3028,7 +3033,7 @@
           <a:p>
             <a:fld id="{25530486-7C56-4D41-A615-5DA251E03D82}" type="datetime1">
               <a:rPr lang="fr-FR" smtClean="0"/>
-              <a:t>21/05/2025</a:t>
+              <a:t>05/06/2025</a:t>
             </a:fld>
             <a:endParaRPr lang="fr-FR"/>
           </a:p>
@@ -3269,7 +3274,7 @@
           <a:p>
             <a:fld id="{8B4AD6AC-688B-4592-874A-164293D5C239}" type="datetime1">
               <a:rPr lang="fr-FR" smtClean="0"/>
-              <a:t>21/05/2025</a:t>
+              <a:t>05/06/2025</a:t>
             </a:fld>
             <a:endParaRPr lang="fr-FR"/>
           </a:p>
@@ -3955,6 +3960,53 @@
           </a:extLst>
         </p:spPr>
       </p:pic>
+      <p:sp>
+        <p:nvSpPr>
+          <p:cNvPr id="12" name="ZoneTexte 11">
+            <a:extLst>
+              <a:ext uri="{FF2B5EF4-FFF2-40B4-BE49-F238E27FC236}">
+                <a16:creationId xmlns:a16="http://schemas.microsoft.com/office/drawing/2014/main" id="{3D909679-D634-4E2E-8602-AD4801DFE35F}"/>
+              </a:ext>
+            </a:extLst>
+          </p:cNvPr>
+          <p:cNvSpPr txBox="1"/>
+          <p:nvPr/>
+        </p:nvSpPr>
+        <p:spPr>
+          <a:xfrm>
+            <a:off x="4496342" y="5764768"/>
+            <a:ext cx="7263262" cy="369332"/>
+          </a:xfrm>
+          <a:prstGeom prst="rect">
+            <a:avLst/>
+          </a:prstGeom>
+          <a:noFill/>
+        </p:spPr>
+        <p:txBody>
+          <a:bodyPr wrap="square">
+            <a:spAutoFit/>
+          </a:bodyPr>
+          <a:lstStyle/>
+          <a:p>
+            <a:pPr algn="r"/>
+            <a:r>
+              <a:rPr lang="fr-FR" dirty="0">
+                <a:latin typeface="Times New Roman" panose="02020603050405020304" pitchFamily="18" charset="0"/>
+                <a:cs typeface="Times New Roman" panose="02020603050405020304" pitchFamily="18" charset="0"/>
+                <a:hlinkClick r:id="rId3"/>
+              </a:rPr>
+              <a:t>https://github.com/Lucas-DaSc/PsyToolKit_Formation</a:t>
+            </a:r>
+            <a:r>
+              <a:rPr lang="fr-FR" dirty="0">
+                <a:latin typeface="Times New Roman" panose="02020603050405020304" pitchFamily="18" charset="0"/>
+                <a:cs typeface="Times New Roman" panose="02020603050405020304" pitchFamily="18" charset="0"/>
+              </a:rPr>
+              <a:t> </a:t>
+            </a:r>
+          </a:p>
+        </p:txBody>
+      </p:sp>
     </p:spTree>
     <p:extLst>
       <p:ext uri="{BB962C8B-B14F-4D97-AF65-F5344CB8AC3E}">
@@ -5421,21 +5473,7 @@
                 <a:latin typeface="Times New Roman" panose="02020603050405020304" pitchFamily="18" charset="0"/>
                 <a:cs typeface="Times New Roman" panose="02020603050405020304" pitchFamily="18" charset="0"/>
               </a:rPr>
-              <a:t> and Download </a:t>
-            </a:r>
-            <a:r>
-              <a:rPr lang="fr-FR" dirty="0" err="1">
-                <a:latin typeface="Times New Roman" panose="02020603050405020304" pitchFamily="18" charset="0"/>
-                <a:cs typeface="Times New Roman" panose="02020603050405020304" pitchFamily="18" charset="0"/>
-              </a:rPr>
-              <a:t>Particiant</a:t>
-            </a:r>
-            <a:r>
-              <a:rPr lang="fr-FR" dirty="0">
-                <a:latin typeface="Times New Roman" panose="02020603050405020304" pitchFamily="18" charset="0"/>
-                <a:cs typeface="Times New Roman" panose="02020603050405020304" pitchFamily="18" charset="0"/>
-              </a:rPr>
-              <a:t> Data</a:t>
+              <a:t> and Download Participant Data</a:t>
             </a:r>
           </a:p>
           <a:p>
@@ -5643,7 +5681,7 @@
                 <a:latin typeface="Times New Roman" panose="02020603050405020304" pitchFamily="18" charset="0"/>
                 <a:cs typeface="Times New Roman" panose="02020603050405020304" pitchFamily="18" charset="0"/>
               </a:rPr>
-              <a:t>En lien avec votre thématique de recherche ou vos besoins personnels, concevez une expérimentation / un questionnaire. Faites le passer à une autre personne ou vous-même, récupérer les données et analysez ces données. </a:t>
+              <a:t>En lien avec votre thématique de recherche ou vos besoins personnels, concevez une expérimentation / un questionnaire. Faites le passer à une autre personne ou vous-même, récupérer les données pour les analyser. </a:t>
             </a:r>
           </a:p>
           <a:p>
@@ -5651,6 +5689,106 @@
               <a:latin typeface="Times New Roman" panose="02020603050405020304" pitchFamily="18" charset="0"/>
               <a:cs typeface="Times New Roman" panose="02020603050405020304" pitchFamily="18" charset="0"/>
             </a:endParaRPr>
+          </a:p>
+        </p:txBody>
+      </p:sp>
+      <p:sp>
+        <p:nvSpPr>
+          <p:cNvPr id="7" name="ZoneTexte 6">
+            <a:extLst>
+              <a:ext uri="{FF2B5EF4-FFF2-40B4-BE49-F238E27FC236}">
+                <a16:creationId xmlns:a16="http://schemas.microsoft.com/office/drawing/2014/main" id="{A49DAC04-92A6-4435-87E4-F1A12FFB910E}"/>
+              </a:ext>
+            </a:extLst>
+          </p:cNvPr>
+          <p:cNvSpPr txBox="1"/>
+          <p:nvPr/>
+        </p:nvSpPr>
+        <p:spPr>
+          <a:xfrm>
+            <a:off x="428625" y="3750897"/>
+            <a:ext cx="11296650" cy="2031325"/>
+          </a:xfrm>
+          <a:prstGeom prst="rect">
+            <a:avLst/>
+          </a:prstGeom>
+          <a:noFill/>
+        </p:spPr>
+        <p:txBody>
+          <a:bodyPr wrap="square" rtlCol="0">
+            <a:spAutoFit/>
+          </a:bodyPr>
+          <a:lstStyle/>
+          <a:p>
+            <a:r>
+              <a:rPr lang="fr-FR" dirty="0">
+                <a:latin typeface="Times New Roman" panose="02020603050405020304" pitchFamily="18" charset="0"/>
+                <a:cs typeface="Times New Roman" panose="02020603050405020304" pitchFamily="18" charset="0"/>
+              </a:rPr>
+              <a:t>Pour aller plus loin :</a:t>
+            </a:r>
+          </a:p>
+          <a:p>
+            <a:endParaRPr lang="fr-FR" dirty="0">
+              <a:latin typeface="Times New Roman" panose="02020603050405020304" pitchFamily="18" charset="0"/>
+              <a:cs typeface="Times New Roman" panose="02020603050405020304" pitchFamily="18" charset="0"/>
+            </a:endParaRPr>
+          </a:p>
+          <a:p>
+            <a:r>
+              <a:rPr lang="fr-FR" dirty="0">
+                <a:latin typeface="Times New Roman" panose="02020603050405020304" pitchFamily="18" charset="0"/>
+                <a:cs typeface="Times New Roman" panose="02020603050405020304" pitchFamily="18" charset="0"/>
+              </a:rPr>
+              <a:t>Requêtes Conditionnelles</a:t>
+            </a:r>
+          </a:p>
+          <a:p>
+            <a:r>
+              <a:rPr lang="fr-FR" dirty="0">
+                <a:latin typeface="Times New Roman" panose="02020603050405020304" pitchFamily="18" charset="0"/>
+                <a:cs typeface="Times New Roman" panose="02020603050405020304" pitchFamily="18" charset="0"/>
+              </a:rPr>
+              <a:t>Création de table</a:t>
+            </a:r>
+          </a:p>
+          <a:p>
+            <a:r>
+              <a:rPr lang="fr-FR" dirty="0">
+                <a:latin typeface="Times New Roman" panose="02020603050405020304" pitchFamily="18" charset="0"/>
+                <a:cs typeface="Times New Roman" panose="02020603050405020304" pitchFamily="18" charset="0"/>
+              </a:rPr>
+              <a:t>Utilisation des variables</a:t>
+            </a:r>
+          </a:p>
+          <a:p>
+            <a:r>
+              <a:rPr lang="fr-FR" dirty="0">
+                <a:latin typeface="Times New Roman" panose="02020603050405020304" pitchFamily="18" charset="0"/>
+                <a:cs typeface="Times New Roman" panose="02020603050405020304" pitchFamily="18" charset="0"/>
+              </a:rPr>
+              <a:t>Mise en forme des </a:t>
+            </a:r>
+            <a:r>
+              <a:rPr lang="fr-FR" dirty="0" err="1">
+                <a:latin typeface="Times New Roman" panose="02020603050405020304" pitchFamily="18" charset="0"/>
+                <a:cs typeface="Times New Roman" panose="02020603050405020304" pitchFamily="18" charset="0"/>
+              </a:rPr>
+              <a:t>excels</a:t>
+            </a:r>
+            <a:endParaRPr lang="fr-FR" dirty="0">
+              <a:latin typeface="Times New Roman" panose="02020603050405020304" pitchFamily="18" charset="0"/>
+              <a:cs typeface="Times New Roman" panose="02020603050405020304" pitchFamily="18" charset="0"/>
+            </a:endParaRPr>
+          </a:p>
+          <a:p>
+            <a:r>
+              <a:rPr lang="fr-FR" dirty="0">
+                <a:latin typeface="Times New Roman" panose="02020603050405020304" pitchFamily="18" charset="0"/>
+                <a:cs typeface="Times New Roman" panose="02020603050405020304" pitchFamily="18" charset="0"/>
+              </a:rPr>
+              <a:t>Analyses R et/ou Python</a:t>
+            </a:r>
           </a:p>
         </p:txBody>
       </p:sp>
@@ -5664,6 +5802,222 @@
   <p:clrMapOvr>
     <a:masterClrMapping/>
   </p:clrMapOvr>
+  <p:timing>
+    <p:tnLst>
+      <p:par>
+        <p:cTn id="1" dur="indefinite" restart="never" nodeType="tmRoot">
+          <p:childTnLst>
+            <p:seq concurrent="1" nextAc="seek">
+              <p:cTn id="2" dur="indefinite" nodeType="mainSeq">
+                <p:childTnLst>
+                  <p:par>
+                    <p:cTn id="3" fill="hold">
+                      <p:stCondLst>
+                        <p:cond delay="indefinite"/>
+                      </p:stCondLst>
+                      <p:childTnLst>
+                        <p:par>
+                          <p:cTn id="4" fill="hold">
+                            <p:stCondLst>
+                              <p:cond delay="0"/>
+                            </p:stCondLst>
+                            <p:childTnLst>
+                              <p:par>
+                                <p:cTn id="5" presetID="2" presetClass="entr" presetSubtype="4" fill="hold" grpId="0" nodeType="clickEffect">
+                                  <p:stCondLst>
+                                    <p:cond delay="0"/>
+                                  </p:stCondLst>
+                                  <p:childTnLst>
+                                    <p:set>
+                                      <p:cBhvr>
+                                        <p:cTn id="6" dur="1" fill="hold">
+                                          <p:stCondLst>
+                                            <p:cond delay="0"/>
+                                          </p:stCondLst>
+                                        </p:cTn>
+                                        <p:tgtEl>
+                                          <p:spTgt spid="12"/>
+                                        </p:tgtEl>
+                                        <p:attrNameLst>
+                                          <p:attrName>style.visibility</p:attrName>
+                                        </p:attrNameLst>
+                                      </p:cBhvr>
+                                      <p:to>
+                                        <p:strVal val="visible"/>
+                                      </p:to>
+                                    </p:set>
+                                    <p:anim calcmode="lin" valueType="num">
+                                      <p:cBhvr additive="base">
+                                        <p:cTn id="7" dur="500" fill="hold"/>
+                                        <p:tgtEl>
+                                          <p:spTgt spid="12"/>
+                                        </p:tgtEl>
+                                        <p:attrNameLst>
+                                          <p:attrName>ppt_x</p:attrName>
+                                        </p:attrNameLst>
+                                      </p:cBhvr>
+                                      <p:tavLst>
+                                        <p:tav tm="0">
+                                          <p:val>
+                                            <p:strVal val="#ppt_x"/>
+                                          </p:val>
+                                        </p:tav>
+                                        <p:tav tm="100000">
+                                          <p:val>
+                                            <p:strVal val="#ppt_x"/>
+                                          </p:val>
+                                        </p:tav>
+                                      </p:tavLst>
+                                    </p:anim>
+                                    <p:anim calcmode="lin" valueType="num">
+                                      <p:cBhvr additive="base">
+                                        <p:cTn id="8" dur="500" fill="hold"/>
+                                        <p:tgtEl>
+                                          <p:spTgt spid="12"/>
+                                        </p:tgtEl>
+                                        <p:attrNameLst>
+                                          <p:attrName>ppt_y</p:attrName>
+                                        </p:attrNameLst>
+                                      </p:cBhvr>
+                                      <p:tavLst>
+                                        <p:tav tm="0">
+                                          <p:val>
+                                            <p:strVal val="1+#ppt_h/2"/>
+                                          </p:val>
+                                        </p:tav>
+                                        <p:tav tm="100000">
+                                          <p:val>
+                                            <p:strVal val="#ppt_y"/>
+                                          </p:val>
+                                        </p:tav>
+                                      </p:tavLst>
+                                    </p:anim>
+                                  </p:childTnLst>
+                                </p:cTn>
+                              </p:par>
+                            </p:childTnLst>
+                          </p:cTn>
+                        </p:par>
+                      </p:childTnLst>
+                    </p:cTn>
+                  </p:par>
+                  <p:par>
+                    <p:cTn id="9" fill="hold">
+                      <p:stCondLst>
+                        <p:cond delay="indefinite"/>
+                      </p:stCondLst>
+                      <p:childTnLst>
+                        <p:par>
+                          <p:cTn id="10" fill="hold">
+                            <p:stCondLst>
+                              <p:cond delay="0"/>
+                            </p:stCondLst>
+                            <p:childTnLst>
+                              <p:par>
+                                <p:cTn id="11" presetID="2" presetClass="entr" presetSubtype="4" fill="hold" grpId="0" nodeType="clickEffect">
+                                  <p:stCondLst>
+                                    <p:cond delay="0"/>
+                                  </p:stCondLst>
+                                  <p:childTnLst>
+                                    <p:set>
+                                      <p:cBhvr>
+                                        <p:cTn id="12" dur="1" fill="hold">
+                                          <p:stCondLst>
+                                            <p:cond delay="0"/>
+                                          </p:stCondLst>
+                                        </p:cTn>
+                                        <p:tgtEl>
+                                          <p:spTgt spid="7"/>
+                                        </p:tgtEl>
+                                        <p:attrNameLst>
+                                          <p:attrName>style.visibility</p:attrName>
+                                        </p:attrNameLst>
+                                      </p:cBhvr>
+                                      <p:to>
+                                        <p:strVal val="visible"/>
+                                      </p:to>
+                                    </p:set>
+                                    <p:anim calcmode="lin" valueType="num">
+                                      <p:cBhvr additive="base">
+                                        <p:cTn id="13" dur="500" fill="hold"/>
+                                        <p:tgtEl>
+                                          <p:spTgt spid="7"/>
+                                        </p:tgtEl>
+                                        <p:attrNameLst>
+                                          <p:attrName>ppt_x</p:attrName>
+                                        </p:attrNameLst>
+                                      </p:cBhvr>
+                                      <p:tavLst>
+                                        <p:tav tm="0">
+                                          <p:val>
+                                            <p:strVal val="#ppt_x"/>
+                                          </p:val>
+                                        </p:tav>
+                                        <p:tav tm="100000">
+                                          <p:val>
+                                            <p:strVal val="#ppt_x"/>
+                                          </p:val>
+                                        </p:tav>
+                                      </p:tavLst>
+                                    </p:anim>
+                                    <p:anim calcmode="lin" valueType="num">
+                                      <p:cBhvr additive="base">
+                                        <p:cTn id="14" dur="500" fill="hold"/>
+                                        <p:tgtEl>
+                                          <p:spTgt spid="7"/>
+                                        </p:tgtEl>
+                                        <p:attrNameLst>
+                                          <p:attrName>ppt_y</p:attrName>
+                                        </p:attrNameLst>
+                                      </p:cBhvr>
+                                      <p:tavLst>
+                                        <p:tav tm="0">
+                                          <p:val>
+                                            <p:strVal val="1+#ppt_h/2"/>
+                                          </p:val>
+                                        </p:tav>
+                                        <p:tav tm="100000">
+                                          <p:val>
+                                            <p:strVal val="#ppt_y"/>
+                                          </p:val>
+                                        </p:tav>
+                                      </p:tavLst>
+                                    </p:anim>
+                                  </p:childTnLst>
+                                </p:cTn>
+                              </p:par>
+                            </p:childTnLst>
+                          </p:cTn>
+                        </p:par>
+                      </p:childTnLst>
+                    </p:cTn>
+                  </p:par>
+                </p:childTnLst>
+              </p:cTn>
+              <p:prevCondLst>
+                <p:cond evt="onPrev" delay="0">
+                  <p:tgtEl>
+                    <p:sldTgt/>
+                  </p:tgtEl>
+                </p:cond>
+              </p:prevCondLst>
+              <p:nextCondLst>
+                <p:cond evt="onNext" delay="0">
+                  <p:tgtEl>
+                    <p:sldTgt/>
+                  </p:tgtEl>
+                </p:cond>
+              </p:nextCondLst>
+            </p:seq>
+          </p:childTnLst>
+        </p:cTn>
+      </p:par>
+    </p:tnLst>
+    <p:bldLst>
+      <p:bldP spid="12" grpId="0"/>
+      <p:bldP spid="7" grpId="0"/>
+    </p:bldLst>
+  </p:timing>
 </p:sld>
 </file>
 
@@ -5792,7 +6146,7 @@
                 <a:latin typeface="Times New Roman" panose="02020603050405020304" pitchFamily="18" charset="0"/>
                 <a:cs typeface="Times New Roman" panose="02020603050405020304" pitchFamily="18" charset="0"/>
               </a:rPr>
-              <a:t>Objectif : Réussir à coder sur PsyToolKit une expérimentation/questionnaire, récolter des données, analyser des données pour répondre à un besoin spécifique (recherche/enseignement). </a:t>
+              <a:t>Objectif : Réussir à coder sur PsyToolKit une expérimentation/questionnaire, récolter des données, analyser des données pour répondre à un besoin spécifique (recherche / mode enseignement). </a:t>
             </a:r>
           </a:p>
         </p:txBody>
@@ -6891,7 +7245,7 @@
         <p:spPr>
           <a:xfrm>
             <a:off x="428625" y="2125221"/>
-            <a:ext cx="11296650" cy="369332"/>
+            <a:ext cx="11296650" cy="646331"/>
           </a:xfrm>
           <a:prstGeom prst="rect">
             <a:avLst/>
@@ -6919,12 +7273,18 @@
               </a:rPr>
               <a:t>https://www.psytoolkit.org/c/3.6.2/login</a:t>
             </a:r>
+            <a:endParaRPr lang="fr-FR" dirty="0">
+              <a:latin typeface="Times New Roman" panose="02020603050405020304" pitchFamily="18" charset="0"/>
+              <a:cs typeface="Times New Roman" panose="02020603050405020304" pitchFamily="18" charset="0"/>
+            </a:endParaRPr>
+          </a:p>
+          <a:p>
             <a:r>
               <a:rPr lang="fr-FR" dirty="0">
                 <a:latin typeface="Times New Roman" panose="02020603050405020304" pitchFamily="18" charset="0"/>
                 <a:cs typeface="Times New Roman" panose="02020603050405020304" pitchFamily="18" charset="0"/>
               </a:rPr>
-              <a:t> </a:t>
+              <a:t>Attention si inactivité pendant un an, risque de suppression de compte </a:t>
             </a:r>
           </a:p>
         </p:txBody>
@@ -6943,7 +7303,7 @@
         </p:nvSpPr>
         <p:spPr>
           <a:xfrm>
-            <a:off x="428625" y="2734052"/>
+            <a:off x="428625" y="2892676"/>
             <a:ext cx="5075028" cy="1200329"/>
           </a:xfrm>
           <a:prstGeom prst="rect">
@@ -7017,7 +7377,7 @@
         </p:nvSpPr>
         <p:spPr>
           <a:xfrm>
-            <a:off x="5929403" y="2734052"/>
+            <a:off x="5929403" y="2892676"/>
             <a:ext cx="5075028" cy="1200329"/>
           </a:xfrm>
           <a:prstGeom prst="rect">
@@ -7091,7 +7451,7 @@
         </p:nvSpPr>
         <p:spPr>
           <a:xfrm>
-            <a:off x="447675" y="4330999"/>
+            <a:off x="447675" y="4489623"/>
             <a:ext cx="11296650" cy="2308324"/>
           </a:xfrm>
           <a:prstGeom prst="rect">
@@ -7366,7 +7726,7 @@
                             </p:stCondLst>
                             <p:childTnLst>
                               <p:par>
-                                <p:cTn id="11" presetID="2" presetClass="entr" presetSubtype="4" fill="hold" nodeType="clickEffect">
+                                <p:cTn id="11" presetID="2" presetClass="entr" presetSubtype="4" fill="hold" grpId="0" nodeType="clickEffect">
                                   <p:stCondLst>
                                     <p:cond delay="0"/>
                                   </p:stCondLst>
@@ -7379,11 +7739,7 @@
                                           </p:stCondLst>
                                         </p:cTn>
                                         <p:tgtEl>
-                                          <p:spTgt spid="13">
-                                            <p:txEl>
-                                              <p:pRg st="3" end="3"/>
-                                            </p:txEl>
-                                          </p:spTgt>
+                                          <p:spTgt spid="13"/>
                                         </p:tgtEl>
                                         <p:attrNameLst>
                                           <p:attrName>style.visibility</p:attrName>
@@ -7397,11 +7753,7 @@
                                       <p:cBhvr additive="base">
                                         <p:cTn id="13" dur="500" fill="hold"/>
                                         <p:tgtEl>
-                                          <p:spTgt spid="13">
-                                            <p:txEl>
-                                              <p:pRg st="3" end="3"/>
-                                            </p:txEl>
-                                          </p:spTgt>
+                                          <p:spTgt spid="13"/>
                                         </p:tgtEl>
                                         <p:attrNameLst>
                                           <p:attrName>ppt_x</p:attrName>
@@ -7424,11 +7776,7 @@
                                       <p:cBhvr additive="base">
                                         <p:cTn id="14" dur="500" fill="hold"/>
                                         <p:tgtEl>
-                                          <p:spTgt spid="13">
-                                            <p:txEl>
-                                              <p:pRg st="3" end="3"/>
-                                            </p:txEl>
-                                          </p:spTgt>
+                                          <p:spTgt spid="13"/>
                                         </p:tgtEl>
                                         <p:attrNameLst>
                                           <p:attrName>ppt_y</p:attrName>
@@ -7570,6 +7918,7 @@
     </p:tnLst>
     <p:bldLst>
       <p:bldP spid="9" grpId="0"/>
+      <p:bldP spid="13" grpId="0"/>
       <p:bldP spid="14" grpId="0"/>
     </p:bldLst>
   </p:timing>
@@ -7712,7 +8061,7 @@
         <p:spPr>
           <a:xfrm>
             <a:off x="428625" y="929593"/>
-            <a:ext cx="11296650" cy="3139321"/>
+            <a:ext cx="11296650" cy="3970318"/>
           </a:xfrm>
           <a:prstGeom prst="rect">
             <a:avLst/>
@@ -7818,9 +8167,158 @@
             </a:r>
           </a:p>
           <a:p>
+            <a:endParaRPr lang="fr-FR" dirty="0">
+              <a:latin typeface="Times New Roman" panose="02020603050405020304" pitchFamily="18" charset="0"/>
+              <a:cs typeface="Times New Roman" panose="02020603050405020304" pitchFamily="18" charset="0"/>
+            </a:endParaRPr>
+          </a:p>
+          <a:p>
+            <a:pPr marL="342900" indent="-342900">
+              <a:buAutoNum type="arabicPeriod" startAt="4"/>
+            </a:pPr>
+            <a:r>
+              <a:rPr lang="fr-FR" dirty="0">
+                <a:latin typeface="Times New Roman" panose="02020603050405020304" pitchFamily="18" charset="0"/>
+                <a:cs typeface="Times New Roman" panose="02020603050405020304" pitchFamily="18" charset="0"/>
+              </a:rPr>
+              <a:t>Quand le code fonction, plus besoin d’y toucher. </a:t>
+            </a:r>
+          </a:p>
+          <a:p>
+            <a:r>
+              <a:rPr lang="fr-FR" dirty="0">
+                <a:latin typeface="Times New Roman" panose="02020603050405020304" pitchFamily="18" charset="0"/>
+                <a:cs typeface="Times New Roman" panose="02020603050405020304" pitchFamily="18" charset="0"/>
+              </a:rPr>
+              <a:t>Astuce : sauvegarder ses codes en local. </a:t>
+            </a:r>
+          </a:p>
+          <a:p>
             <a:pPr marL="342900" indent="-342900">
               <a:buAutoNum type="arabicPeriod" startAt="3"/>
             </a:pPr>
+            <a:endParaRPr lang="fr-FR" dirty="0">
+              <a:latin typeface="Times New Roman" panose="02020603050405020304" pitchFamily="18" charset="0"/>
+              <a:cs typeface="Times New Roman" panose="02020603050405020304" pitchFamily="18" charset="0"/>
+            </a:endParaRPr>
+          </a:p>
+        </p:txBody>
+      </p:sp>
+      <p:sp>
+        <p:nvSpPr>
+          <p:cNvPr id="6" name="ZoneTexte 5">
+            <a:extLst>
+              <a:ext uri="{FF2B5EF4-FFF2-40B4-BE49-F238E27FC236}">
+                <a16:creationId xmlns:a16="http://schemas.microsoft.com/office/drawing/2014/main" id="{5778DA43-468A-4849-8E92-44473DF38DF3}"/>
+              </a:ext>
+            </a:extLst>
+          </p:cNvPr>
+          <p:cNvSpPr txBox="1"/>
+          <p:nvPr/>
+        </p:nvSpPr>
+        <p:spPr>
+          <a:xfrm>
+            <a:off x="428625" y="5474178"/>
+            <a:ext cx="11296650" cy="1015663"/>
+          </a:xfrm>
+          <a:prstGeom prst="rect">
+            <a:avLst/>
+          </a:prstGeom>
+          <a:noFill/>
+        </p:spPr>
+        <p:txBody>
+          <a:bodyPr wrap="square" rtlCol="0">
+            <a:spAutoFit/>
+          </a:bodyPr>
+          <a:lstStyle/>
+          <a:p>
+            <a:r>
+              <a:rPr lang="fr-FR" dirty="0">
+                <a:latin typeface="Times New Roman" panose="02020603050405020304" pitchFamily="18" charset="0"/>
+                <a:cs typeface="Times New Roman" panose="02020603050405020304" pitchFamily="18" charset="0"/>
+              </a:rPr>
+              <a:t>PS : Si vous utilisez PsyToolKit pour une étude il faut mettre deux références </a:t>
+            </a:r>
+          </a:p>
+          <a:p>
+            <a:pPr fontAlgn="base"/>
+            <a:r>
+              <a:rPr lang="fr-FR" sz="1200" dirty="0" err="1"/>
+              <a:t>Stoet</a:t>
+            </a:r>
+            <a:r>
+              <a:rPr lang="fr-FR" sz="1200" dirty="0"/>
+              <a:t>, G. (2010). PsyToolkit - A software package for </a:t>
+            </a:r>
+            <a:r>
+              <a:rPr lang="fr-FR" sz="1200" dirty="0" err="1"/>
+              <a:t>programming</a:t>
+            </a:r>
+            <a:r>
+              <a:rPr lang="fr-FR" sz="1200" dirty="0"/>
+              <a:t> </a:t>
+            </a:r>
+            <a:r>
+              <a:rPr lang="fr-FR" sz="1200" dirty="0" err="1"/>
+              <a:t>psychological</a:t>
+            </a:r>
+            <a:r>
+              <a:rPr lang="fr-FR" sz="1200" dirty="0"/>
+              <a:t> </a:t>
+            </a:r>
+            <a:r>
+              <a:rPr lang="fr-FR" sz="1200" dirty="0" err="1"/>
+              <a:t>experiments</a:t>
+            </a:r>
+            <a:r>
+              <a:rPr lang="fr-FR" sz="1200" dirty="0"/>
+              <a:t> </a:t>
+            </a:r>
+            <a:r>
+              <a:rPr lang="fr-FR" sz="1200" dirty="0" err="1"/>
+              <a:t>using</a:t>
+            </a:r>
+            <a:r>
+              <a:rPr lang="fr-FR" sz="1200" dirty="0"/>
+              <a:t> Linux. </a:t>
+            </a:r>
+            <a:r>
+              <a:rPr lang="fr-FR" sz="1200" dirty="0" err="1"/>
+              <a:t>Behavior</a:t>
+            </a:r>
+            <a:r>
+              <a:rPr lang="fr-FR" sz="1200" dirty="0"/>
+              <a:t> </a:t>
+            </a:r>
+            <a:r>
+              <a:rPr lang="fr-FR" sz="1200" dirty="0" err="1"/>
+              <a:t>Research</a:t>
+            </a:r>
+            <a:r>
+              <a:rPr lang="fr-FR" sz="1200" dirty="0"/>
+              <a:t> Methods, 42(4), 1096-1104.</a:t>
+            </a:r>
+            <a:r>
+              <a:rPr lang="en-US" sz="1200" dirty="0"/>
+              <a:t>​</a:t>
+            </a:r>
+          </a:p>
+          <a:p>
+            <a:pPr fontAlgn="base"/>
+            <a:r>
+              <a:rPr lang="en-US" sz="1200" dirty="0" err="1"/>
+              <a:t>Stoet</a:t>
+            </a:r>
+            <a:r>
+              <a:rPr lang="en-US" sz="1200" dirty="0"/>
+              <a:t>, G. (2017). PsyToolkit: A novel web-based method for running online questionnaires and reaction-time experiments. Teaching of Psychology, 44(1), 24-31</a:t>
+            </a:r>
+            <a:r>
+              <a:rPr lang="fr-FR" sz="1200" dirty="0"/>
+              <a:t>​</a:t>
+            </a:r>
+          </a:p>
+          <a:p>
             <a:endParaRPr lang="fr-FR" dirty="0">
               <a:latin typeface="Times New Roman" panose="02020603050405020304" pitchFamily="18" charset="0"/>
               <a:cs typeface="Times New Roman" panose="02020603050405020304" pitchFamily="18" charset="0"/>
@@ -7937,6 +8435,97 @@
                       </p:childTnLst>
                     </p:cTn>
                   </p:par>
+                  <p:par>
+                    <p:cTn id="9" fill="hold">
+                      <p:stCondLst>
+                        <p:cond delay="indefinite"/>
+                      </p:stCondLst>
+                      <p:childTnLst>
+                        <p:par>
+                          <p:cTn id="10" fill="hold">
+                            <p:stCondLst>
+                              <p:cond delay="0"/>
+                            </p:stCondLst>
+                            <p:childTnLst>
+                              <p:par>
+                                <p:cTn id="11" presetID="2" presetClass="entr" presetSubtype="4" fill="hold" grpId="0" nodeType="clickEffect">
+                                  <p:stCondLst>
+                                    <p:cond delay="0"/>
+                                  </p:stCondLst>
+                                  <p:childTnLst>
+                                    <p:set>
+                                      <p:cBhvr>
+                                        <p:cTn id="12" dur="1" fill="hold">
+                                          <p:stCondLst>
+                                            <p:cond delay="0"/>
+                                          </p:stCondLst>
+                                        </p:cTn>
+                                        <p:tgtEl>
+                                          <p:spTgt spid="6"/>
+                                        </p:tgtEl>
+                                        <p:attrNameLst>
+                                          <p:attrName>style.visibility</p:attrName>
+                                        </p:attrNameLst>
+                                      </p:cBhvr>
+                                      <p:to>
+                                        <p:strVal val="visible"/>
+                                      </p:to>
+                                    </p:set>
+                                    <p:anim calcmode="lin" valueType="num">
+                                      <p:cBhvr additive="base">
+                                        <p:cTn id="13" dur="500" fill="hold"/>
+                                        <p:tgtEl>
+                                          <p:spTgt spid="6"/>
+                                        </p:tgtEl>
+                                        <p:attrNameLst>
+                                          <p:attrName>ppt_x</p:attrName>
+                                        </p:attrNameLst>
+                                      </p:cBhvr>
+                                      <p:tavLst>
+                                        <p:tav tm="0">
+                                          <p:val>
+                                            <p:strVal val="#ppt_x"/>
+                                          </p:val>
+                                        </p:tav>
+                                        <p:tav tm="100000">
+                                          <p:val>
+                                            <p:strVal val="#ppt_x"/>
+                                          </p:val>
+                                        </p:tav>
+                                      </p:tavLst>
+                                    </p:anim>
+                                    <p:anim calcmode="lin" valueType="num">
+                                      <p:cBhvr additive="base">
+                                        <p:cTn id="14" dur="500" fill="hold"/>
+                                        <p:tgtEl>
+                                          <p:spTgt spid="6"/>
+                                        </p:tgtEl>
+                                        <p:attrNameLst>
+                                          <p:attrName>ppt_y</p:attrName>
+                                        </p:attrNameLst>
+                                      </p:cBhvr>
+                                      <p:tavLst>
+                                        <p:tav tm="0">
+                                          <p:val>
+                                            <p:strVal val="1+#ppt_h/2"/>
+                                          </p:val>
+                                        </p:tav>
+                                        <p:tav tm="100000">
+                                          <p:val>
+                                            <p:strVal val="#ppt_y"/>
+                                          </p:val>
+                                        </p:tav>
+                                      </p:tavLst>
+                                    </p:anim>
+                                  </p:childTnLst>
+                                </p:cTn>
+                              </p:par>
+                            </p:childTnLst>
+                          </p:cTn>
+                        </p:par>
+                      </p:childTnLst>
+                    </p:cTn>
+                  </p:par>
                 </p:childTnLst>
               </p:cTn>
               <p:prevCondLst>
@@ -7960,6 +8549,7 @@
     </p:tnLst>
     <p:bldLst>
       <p:bldP spid="9" grpId="0"/>
+      <p:bldP spid="6" grpId="0"/>
     </p:bldLst>
   </p:timing>
 </p:sld>
@@ -8591,8 +9181,8 @@
         </p:blipFill>
         <p:spPr>
           <a:xfrm>
-            <a:off x="516071" y="1698941"/>
-            <a:ext cx="11121758" cy="3053493"/>
+            <a:off x="223935" y="1838900"/>
+            <a:ext cx="11803224" cy="3395574"/>
           </a:xfrm>
           <a:prstGeom prst="rect">
             <a:avLst/>
